--- a/src/web/images/MIDB_logo.pptx
+++ b/src/web/images/MIDB_logo.pptx
@@ -105,22 +105,6 @@
       </a:defRPr>
     </a:lvl9pPr>
   </p:defaultTextStyle>
-  <p:extLst>
-    <p:ext uri="{EFAFB233-063F-42B5-8137-9DF3F51BA10A}">
-      <p15:sldGuideLst xmlns:p15="http://schemas.microsoft.com/office/powerpoint/2012/main">
-        <p15:guide id="1" orient="horz" pos="2352">
-          <p15:clr>
-            <a:srgbClr val="A4A3A4"/>
-          </p15:clr>
-        </p15:guide>
-        <p15:guide id="2" pos="6912">
-          <p15:clr>
-            <a:srgbClr val="A4A3A4"/>
-          </p15:clr>
-        </p15:guide>
-      </p15:sldGuideLst>
-    </p:ext>
-  </p:extLst>
 </p:presentation>
 </file>
 
@@ -306,7 +290,7 @@
             <a:fld id="{09195D82-D22B-4347-BB61-719E2A559A50}" type="datetimeFigureOut">
               <a:rPr lang="en-US" smtClean="0"/>
               <a:pPr/>
-              <a:t>6/28/2015</a:t>
+              <a:t>2/11/2015</a:t>
             </a:fld>
             <a:endParaRPr lang="en-US"/>
           </a:p>
@@ -473,7 +457,7 @@
             <a:fld id="{09195D82-D22B-4347-BB61-719E2A559A50}" type="datetimeFigureOut">
               <a:rPr lang="en-US" smtClean="0"/>
               <a:pPr/>
-              <a:t>6/28/2015</a:t>
+              <a:t>2/11/2015</a:t>
             </a:fld>
             <a:endParaRPr lang="en-US"/>
           </a:p>
@@ -650,7 +634,7 @@
             <a:fld id="{09195D82-D22B-4347-BB61-719E2A559A50}" type="datetimeFigureOut">
               <a:rPr lang="en-US" smtClean="0"/>
               <a:pPr/>
-              <a:t>6/28/2015</a:t>
+              <a:t>2/11/2015</a:t>
             </a:fld>
             <a:endParaRPr lang="en-US"/>
           </a:p>
@@ -817,7 +801,7 @@
             <a:fld id="{09195D82-D22B-4347-BB61-719E2A559A50}" type="datetimeFigureOut">
               <a:rPr lang="en-US" smtClean="0"/>
               <a:pPr/>
-              <a:t>6/28/2015</a:t>
+              <a:t>2/11/2015</a:t>
             </a:fld>
             <a:endParaRPr lang="en-US"/>
           </a:p>
@@ -1060,7 +1044,7 @@
             <a:fld id="{09195D82-D22B-4347-BB61-719E2A559A50}" type="datetimeFigureOut">
               <a:rPr lang="en-US" smtClean="0"/>
               <a:pPr/>
-              <a:t>6/28/2015</a:t>
+              <a:t>2/11/2015</a:t>
             </a:fld>
             <a:endParaRPr lang="en-US"/>
           </a:p>
@@ -1345,7 +1329,7 @@
             <a:fld id="{09195D82-D22B-4347-BB61-719E2A559A50}" type="datetimeFigureOut">
               <a:rPr lang="en-US" smtClean="0"/>
               <a:pPr/>
-              <a:t>6/28/2015</a:t>
+              <a:t>2/11/2015</a:t>
             </a:fld>
             <a:endParaRPr lang="en-US"/>
           </a:p>
@@ -1764,7 +1748,7 @@
             <a:fld id="{09195D82-D22B-4347-BB61-719E2A559A50}" type="datetimeFigureOut">
               <a:rPr lang="en-US" smtClean="0"/>
               <a:pPr/>
-              <a:t>6/28/2015</a:t>
+              <a:t>2/11/2015</a:t>
             </a:fld>
             <a:endParaRPr lang="en-US"/>
           </a:p>
@@ -1879,7 +1863,7 @@
             <a:fld id="{09195D82-D22B-4347-BB61-719E2A559A50}" type="datetimeFigureOut">
               <a:rPr lang="en-US" smtClean="0"/>
               <a:pPr/>
-              <a:t>6/28/2015</a:t>
+              <a:t>2/11/2015</a:t>
             </a:fld>
             <a:endParaRPr lang="en-US"/>
           </a:p>
@@ -1971,7 +1955,7 @@
             <a:fld id="{09195D82-D22B-4347-BB61-719E2A559A50}" type="datetimeFigureOut">
               <a:rPr lang="en-US" smtClean="0"/>
               <a:pPr/>
-              <a:t>6/28/2015</a:t>
+              <a:t>2/11/2015</a:t>
             </a:fld>
             <a:endParaRPr lang="en-US"/>
           </a:p>
@@ -2245,7 +2229,7 @@
             <a:fld id="{09195D82-D22B-4347-BB61-719E2A559A50}" type="datetimeFigureOut">
               <a:rPr lang="en-US" smtClean="0"/>
               <a:pPr/>
-              <a:t>6/28/2015</a:t>
+              <a:t>2/11/2015</a:t>
             </a:fld>
             <a:endParaRPr lang="en-US"/>
           </a:p>
@@ -2495,7 +2479,7 @@
             <a:fld id="{09195D82-D22B-4347-BB61-719E2A559A50}" type="datetimeFigureOut">
               <a:rPr lang="en-US" smtClean="0"/>
               <a:pPr/>
-              <a:t>6/28/2015</a:t>
+              <a:t>2/11/2015</a:t>
             </a:fld>
             <a:endParaRPr lang="en-US"/>
           </a:p>
@@ -2705,7 +2689,7 @@
             <a:fld id="{09195D82-D22B-4347-BB61-719E2A559A50}" type="datetimeFigureOut">
               <a:rPr lang="en-US" smtClean="0"/>
               <a:pPr/>
-              <a:t>6/28/2015</a:t>
+              <a:t>2/11/2015</a:t>
             </a:fld>
             <a:endParaRPr lang="en-US"/>
           </a:p>
@@ -3084,7 +3068,7 @@
         </p:nvSpPr>
         <p:spPr>
           <a:xfrm>
-            <a:off x="3605576" y="912707"/>
+            <a:off x="0" y="912707"/>
             <a:ext cx="9196024" cy="6252792"/>
           </a:xfrm>
           <a:prstGeom prst="rect">
@@ -3130,7 +3114,7 @@
         </p:nvSpPr>
         <p:spPr>
           <a:xfrm>
-            <a:off x="4014956" y="5715001"/>
+            <a:off x="409380" y="5715001"/>
             <a:ext cx="8343868" cy="959035"/>
           </a:xfrm>
           <a:prstGeom prst="rect">
@@ -3148,7 +3132,13 @@
               <a:rPr lang="en-US" sz="5400" dirty="0" smtClean="0">
                 <a:latin typeface="Cambria" pitchFamily="18" charset="0"/>
               </a:rPr>
-              <a:t>Neuroinformatics Database</a:t>
+              <a:t>Neuroinformatics </a:t>
+            </a:r>
+            <a:r>
+              <a:rPr lang="en-US" sz="5400" dirty="0" smtClean="0">
+                <a:latin typeface="Cambria" pitchFamily="18" charset="0"/>
+              </a:rPr>
+              <a:t>Database</a:t>
             </a:r>
             <a:endParaRPr lang="en-US" sz="5400" dirty="0">
               <a:latin typeface="Cambria" pitchFamily="18" charset="0"/>
@@ -3173,7 +3163,7 @@
         </p:blipFill>
         <p:spPr bwMode="auto">
           <a:xfrm>
-            <a:off x="13144500" y="1219200"/>
+            <a:off x="16230600" y="1600200"/>
             <a:ext cx="5372100" cy="5495925"/>
           </a:xfrm>
           <a:prstGeom prst="rect">
@@ -3187,13 +3177,6 @@
   <p:clrMapOvr>
     <a:masterClrMapping/>
   </p:clrMapOvr>
-  <p:timing>
-    <p:tnLst>
-      <p:par>
-        <p:cTn id="1" dur="indefinite" restart="never" nodeType="tmRoot"/>
-      </p:par>
-    </p:tnLst>
-  </p:timing>
 </p:sld>
 </file>
 
@@ -3222,7 +3205,7 @@
         </p:nvSpPr>
         <p:spPr>
           <a:xfrm>
-            <a:off x="1828800" y="912707"/>
+            <a:off x="0" y="912707"/>
             <a:ext cx="11034668" cy="6252792"/>
           </a:xfrm>
           <a:prstGeom prst="rect">
@@ -3268,7 +3251,7 @@
         </p:nvSpPr>
         <p:spPr>
           <a:xfrm>
-            <a:off x="2099239" y="5715001"/>
+            <a:off x="409380" y="5715001"/>
             <a:ext cx="11007161" cy="959035"/>
           </a:xfrm>
           <a:prstGeom prst="rect">
@@ -3317,7 +3300,7 @@
         </p:blipFill>
         <p:spPr bwMode="auto">
           <a:xfrm>
-            <a:off x="14048168" y="1524000"/>
+            <a:off x="16105568" y="1524000"/>
             <a:ext cx="4412464" cy="4412466"/>
           </a:xfrm>
           <a:prstGeom prst="rect">
@@ -3343,7 +3326,7 @@
         </p:nvSpPr>
         <p:spPr>
           <a:xfrm>
-            <a:off x="13563600" y="5824712"/>
+            <a:off x="15621000" y="5824712"/>
             <a:ext cx="5381601" cy="769441"/>
           </a:xfrm>
           <a:prstGeom prst="rect">
